--- a/HUM1002 Psychology in Everyday Life/reference materials/module-1 adjustment/2_2_causes of adjustment problems.docx.pptx
+++ b/HUM1002 Psychology in Everyday Life/reference materials/module-1 adjustment/2_2_causes of adjustment problems.docx.pptx
@@ -173,10 +173,9 @@
           <a:lstStyle/>
           <a:p>
             <a:r>
-              <a:rPr lang="en-US" smtClean="0"/>
+              <a:rPr lang="en-US"/>
               <a:t>Click to edit Master title style</a:t>
             </a:r>
-            <a:endParaRPr lang="en-US"/>
           </a:p>
         </p:txBody>
       </p:sp>
@@ -292,10 +291,9 @@
           </a:lstStyle>
           <a:p>
             <a:r>
-              <a:rPr lang="en-US" smtClean="0"/>
+              <a:rPr lang="en-US"/>
               <a:t>Click to edit Master subtitle style</a:t>
             </a:r>
-            <a:endParaRPr lang="en-US"/>
           </a:p>
         </p:txBody>
       </p:sp>
@@ -317,7 +315,7 @@
             <a:fld id="{5648630F-9D60-4E60-BC74-448ABCDA988C}" type="datetimeFigureOut">
               <a:rPr lang="en-US" smtClean="0"/>
               <a:pPr/>
-              <a:t>1/19/2022</a:t>
+              <a:t>5/8/22</a:t>
             </a:fld>
             <a:endParaRPr lang="en-US"/>
           </a:p>
@@ -407,10 +405,9 @@
           <a:lstStyle/>
           <a:p>
             <a:r>
-              <a:rPr lang="en-US" smtClean="0"/>
+              <a:rPr lang="en-US"/>
               <a:t>Click to edit Master title style</a:t>
             </a:r>
-            <a:endParaRPr lang="en-US"/>
           </a:p>
         </p:txBody>
       </p:sp>
@@ -431,38 +428,37 @@
           <a:p>
             <a:pPr lvl="0"/>
             <a:r>
-              <a:rPr lang="en-US" smtClean="0"/>
+              <a:rPr lang="en-US"/>
               <a:t>Click to edit Master text styles</a:t>
             </a:r>
           </a:p>
           <a:p>
             <a:pPr lvl="1"/>
             <a:r>
-              <a:rPr lang="en-US" smtClean="0"/>
+              <a:rPr lang="en-US"/>
               <a:t>Second level</a:t>
             </a:r>
           </a:p>
           <a:p>
             <a:pPr lvl="2"/>
             <a:r>
-              <a:rPr lang="en-US" smtClean="0"/>
+              <a:rPr lang="en-US"/>
               <a:t>Third level</a:t>
             </a:r>
           </a:p>
           <a:p>
             <a:pPr lvl="3"/>
             <a:r>
-              <a:rPr lang="en-US" smtClean="0"/>
+              <a:rPr lang="en-US"/>
               <a:t>Fourth level</a:t>
             </a:r>
           </a:p>
           <a:p>
             <a:pPr lvl="4"/>
             <a:r>
-              <a:rPr lang="en-US" smtClean="0"/>
+              <a:rPr lang="en-US"/>
               <a:t>Fifth level</a:t>
             </a:r>
-            <a:endParaRPr lang="en-US"/>
           </a:p>
         </p:txBody>
       </p:sp>
@@ -484,7 +480,7 @@
             <a:fld id="{5648630F-9D60-4E60-BC74-448ABCDA988C}" type="datetimeFigureOut">
               <a:rPr lang="en-US" smtClean="0"/>
               <a:pPr/>
-              <a:t>1/19/2022</a:t>
+              <a:t>5/8/22</a:t>
             </a:fld>
             <a:endParaRPr lang="en-US"/>
           </a:p>
@@ -579,10 +575,9 @@
           <a:lstStyle/>
           <a:p>
             <a:r>
-              <a:rPr lang="en-US" smtClean="0"/>
+              <a:rPr lang="en-US"/>
               <a:t>Click to edit Master title style</a:t>
             </a:r>
-            <a:endParaRPr lang="en-US"/>
           </a:p>
         </p:txBody>
       </p:sp>
@@ -608,38 +603,37 @@
           <a:p>
             <a:pPr lvl="0"/>
             <a:r>
-              <a:rPr lang="en-US" smtClean="0"/>
+              <a:rPr lang="en-US"/>
               <a:t>Click to edit Master text styles</a:t>
             </a:r>
           </a:p>
           <a:p>
             <a:pPr lvl="1"/>
             <a:r>
-              <a:rPr lang="en-US" smtClean="0"/>
+              <a:rPr lang="en-US"/>
               <a:t>Second level</a:t>
             </a:r>
           </a:p>
           <a:p>
             <a:pPr lvl="2"/>
             <a:r>
-              <a:rPr lang="en-US" smtClean="0"/>
+              <a:rPr lang="en-US"/>
               <a:t>Third level</a:t>
             </a:r>
           </a:p>
           <a:p>
             <a:pPr lvl="3"/>
             <a:r>
-              <a:rPr lang="en-US" smtClean="0"/>
+              <a:rPr lang="en-US"/>
               <a:t>Fourth level</a:t>
             </a:r>
           </a:p>
           <a:p>
             <a:pPr lvl="4"/>
             <a:r>
-              <a:rPr lang="en-US" smtClean="0"/>
+              <a:rPr lang="en-US"/>
               <a:t>Fifth level</a:t>
             </a:r>
-            <a:endParaRPr lang="en-US"/>
           </a:p>
         </p:txBody>
       </p:sp>
@@ -661,7 +655,7 @@
             <a:fld id="{5648630F-9D60-4E60-BC74-448ABCDA988C}" type="datetimeFigureOut">
               <a:rPr lang="en-US" smtClean="0"/>
               <a:pPr/>
-              <a:t>1/19/2022</a:t>
+              <a:t>5/8/22</a:t>
             </a:fld>
             <a:endParaRPr lang="en-US"/>
           </a:p>
@@ -751,10 +745,9 @@
           <a:lstStyle/>
           <a:p>
             <a:r>
-              <a:rPr lang="en-US" smtClean="0"/>
+              <a:rPr lang="en-US"/>
               <a:t>Click to edit Master title style</a:t>
             </a:r>
-            <a:endParaRPr lang="en-US"/>
           </a:p>
         </p:txBody>
       </p:sp>
@@ -775,38 +768,37 @@
           <a:p>
             <a:pPr lvl="0"/>
             <a:r>
-              <a:rPr lang="en-US" smtClean="0"/>
+              <a:rPr lang="en-US"/>
               <a:t>Click to edit Master text styles</a:t>
             </a:r>
           </a:p>
           <a:p>
             <a:pPr lvl="1"/>
             <a:r>
-              <a:rPr lang="en-US" smtClean="0"/>
+              <a:rPr lang="en-US"/>
               <a:t>Second level</a:t>
             </a:r>
           </a:p>
           <a:p>
             <a:pPr lvl="2"/>
             <a:r>
-              <a:rPr lang="en-US" smtClean="0"/>
+              <a:rPr lang="en-US"/>
               <a:t>Third level</a:t>
             </a:r>
           </a:p>
           <a:p>
             <a:pPr lvl="3"/>
             <a:r>
-              <a:rPr lang="en-US" smtClean="0"/>
+              <a:rPr lang="en-US"/>
               <a:t>Fourth level</a:t>
             </a:r>
           </a:p>
           <a:p>
             <a:pPr lvl="4"/>
             <a:r>
-              <a:rPr lang="en-US" smtClean="0"/>
+              <a:rPr lang="en-US"/>
               <a:t>Fifth level</a:t>
             </a:r>
-            <a:endParaRPr lang="en-US"/>
           </a:p>
         </p:txBody>
       </p:sp>
@@ -828,7 +820,7 @@
             <a:fld id="{5648630F-9D60-4E60-BC74-448ABCDA988C}" type="datetimeFigureOut">
               <a:rPr lang="en-US" smtClean="0"/>
               <a:pPr/>
-              <a:t>1/19/2022</a:t>
+              <a:t>5/8/22</a:t>
             </a:fld>
             <a:endParaRPr lang="en-US"/>
           </a:p>
@@ -927,10 +919,9 @@
           </a:lstStyle>
           <a:p>
             <a:r>
-              <a:rPr lang="en-US" smtClean="0"/>
+              <a:rPr lang="en-US"/>
               <a:t>Click to edit Master title style</a:t>
             </a:r>
-            <a:endParaRPr lang="en-US"/>
           </a:p>
         </p:txBody>
       </p:sp>
@@ -1047,7 +1038,7 @@
           <a:p>
             <a:pPr lvl="0"/>
             <a:r>
-              <a:rPr lang="en-US" smtClean="0"/>
+              <a:rPr lang="en-US"/>
               <a:t>Click to edit Master text styles</a:t>
             </a:r>
           </a:p>
@@ -1071,7 +1062,7 @@
             <a:fld id="{5648630F-9D60-4E60-BC74-448ABCDA988C}" type="datetimeFigureOut">
               <a:rPr lang="en-US" smtClean="0"/>
               <a:pPr/>
-              <a:t>1/19/2022</a:t>
+              <a:t>5/8/22</a:t>
             </a:fld>
             <a:endParaRPr lang="en-US"/>
           </a:p>
@@ -1161,10 +1152,9 @@
           <a:lstStyle/>
           <a:p>
             <a:r>
-              <a:rPr lang="en-US" smtClean="0"/>
+              <a:rPr lang="en-US"/>
               <a:t>Click to edit Master title style</a:t>
             </a:r>
-            <a:endParaRPr lang="en-US"/>
           </a:p>
         </p:txBody>
       </p:sp>
@@ -1218,38 +1208,37 @@
           <a:p>
             <a:pPr lvl="0"/>
             <a:r>
-              <a:rPr lang="en-US" smtClean="0"/>
+              <a:rPr lang="en-US"/>
               <a:t>Click to edit Master text styles</a:t>
             </a:r>
           </a:p>
           <a:p>
             <a:pPr lvl="1"/>
             <a:r>
-              <a:rPr lang="en-US" smtClean="0"/>
+              <a:rPr lang="en-US"/>
               <a:t>Second level</a:t>
             </a:r>
           </a:p>
           <a:p>
             <a:pPr lvl="2"/>
             <a:r>
-              <a:rPr lang="en-US" smtClean="0"/>
+              <a:rPr lang="en-US"/>
               <a:t>Third level</a:t>
             </a:r>
           </a:p>
           <a:p>
             <a:pPr lvl="3"/>
             <a:r>
-              <a:rPr lang="en-US" smtClean="0"/>
+              <a:rPr lang="en-US"/>
               <a:t>Fourth level</a:t>
             </a:r>
           </a:p>
           <a:p>
             <a:pPr lvl="4"/>
             <a:r>
-              <a:rPr lang="en-US" smtClean="0"/>
+              <a:rPr lang="en-US"/>
               <a:t>Fifth level</a:t>
             </a:r>
-            <a:endParaRPr lang="en-US"/>
           </a:p>
         </p:txBody>
       </p:sp>
@@ -1303,38 +1292,37 @@
           <a:p>
             <a:pPr lvl="0"/>
             <a:r>
-              <a:rPr lang="en-US" smtClean="0"/>
+              <a:rPr lang="en-US"/>
               <a:t>Click to edit Master text styles</a:t>
             </a:r>
           </a:p>
           <a:p>
             <a:pPr lvl="1"/>
             <a:r>
-              <a:rPr lang="en-US" smtClean="0"/>
+              <a:rPr lang="en-US"/>
               <a:t>Second level</a:t>
             </a:r>
           </a:p>
           <a:p>
             <a:pPr lvl="2"/>
             <a:r>
-              <a:rPr lang="en-US" smtClean="0"/>
+              <a:rPr lang="en-US"/>
               <a:t>Third level</a:t>
             </a:r>
           </a:p>
           <a:p>
             <a:pPr lvl="3"/>
             <a:r>
-              <a:rPr lang="en-US" smtClean="0"/>
+              <a:rPr lang="en-US"/>
               <a:t>Fourth level</a:t>
             </a:r>
           </a:p>
           <a:p>
             <a:pPr lvl="4"/>
             <a:r>
-              <a:rPr lang="en-US" smtClean="0"/>
+              <a:rPr lang="en-US"/>
               <a:t>Fifth level</a:t>
             </a:r>
-            <a:endParaRPr lang="en-US"/>
           </a:p>
         </p:txBody>
       </p:sp>
@@ -1356,7 +1344,7 @@
             <a:fld id="{5648630F-9D60-4E60-BC74-448ABCDA988C}" type="datetimeFigureOut">
               <a:rPr lang="en-US" smtClean="0"/>
               <a:pPr/>
-              <a:t>1/19/2022</a:t>
+              <a:t>5/8/22</a:t>
             </a:fld>
             <a:endParaRPr lang="en-US"/>
           </a:p>
@@ -1450,10 +1438,9 @@
           </a:lstStyle>
           <a:p>
             <a:r>
-              <a:rPr lang="en-US" smtClean="0"/>
+              <a:rPr lang="en-US"/>
               <a:t>Click to edit Master title style</a:t>
             </a:r>
-            <a:endParaRPr lang="en-US"/>
           </a:p>
         </p:txBody>
       </p:sp>
@@ -1516,7 +1503,7 @@
           <a:p>
             <a:pPr lvl="0"/>
             <a:r>
-              <a:rPr lang="en-US" smtClean="0"/>
+              <a:rPr lang="en-US"/>
               <a:t>Click to edit Master text styles</a:t>
             </a:r>
           </a:p>
@@ -1572,38 +1559,37 @@
           <a:p>
             <a:pPr lvl="0"/>
             <a:r>
-              <a:rPr lang="en-US" smtClean="0"/>
+              <a:rPr lang="en-US"/>
               <a:t>Click to edit Master text styles</a:t>
             </a:r>
           </a:p>
           <a:p>
             <a:pPr lvl="1"/>
             <a:r>
-              <a:rPr lang="en-US" smtClean="0"/>
+              <a:rPr lang="en-US"/>
               <a:t>Second level</a:t>
             </a:r>
           </a:p>
           <a:p>
             <a:pPr lvl="2"/>
             <a:r>
-              <a:rPr lang="en-US" smtClean="0"/>
+              <a:rPr lang="en-US"/>
               <a:t>Third level</a:t>
             </a:r>
           </a:p>
           <a:p>
             <a:pPr lvl="3"/>
             <a:r>
-              <a:rPr lang="en-US" smtClean="0"/>
+              <a:rPr lang="en-US"/>
               <a:t>Fourth level</a:t>
             </a:r>
           </a:p>
           <a:p>
             <a:pPr lvl="4"/>
             <a:r>
-              <a:rPr lang="en-US" smtClean="0"/>
+              <a:rPr lang="en-US"/>
               <a:t>Fifth level</a:t>
             </a:r>
-            <a:endParaRPr lang="en-US"/>
           </a:p>
         </p:txBody>
       </p:sp>
@@ -1666,7 +1652,7 @@
           <a:p>
             <a:pPr lvl="0"/>
             <a:r>
-              <a:rPr lang="en-US" smtClean="0"/>
+              <a:rPr lang="en-US"/>
               <a:t>Click to edit Master text styles</a:t>
             </a:r>
           </a:p>
@@ -1722,38 +1708,37 @@
           <a:p>
             <a:pPr lvl="0"/>
             <a:r>
-              <a:rPr lang="en-US" smtClean="0"/>
+              <a:rPr lang="en-US"/>
               <a:t>Click to edit Master text styles</a:t>
             </a:r>
           </a:p>
           <a:p>
             <a:pPr lvl="1"/>
             <a:r>
-              <a:rPr lang="en-US" smtClean="0"/>
+              <a:rPr lang="en-US"/>
               <a:t>Second level</a:t>
             </a:r>
           </a:p>
           <a:p>
             <a:pPr lvl="2"/>
             <a:r>
-              <a:rPr lang="en-US" smtClean="0"/>
+              <a:rPr lang="en-US"/>
               <a:t>Third level</a:t>
             </a:r>
           </a:p>
           <a:p>
             <a:pPr lvl="3"/>
             <a:r>
-              <a:rPr lang="en-US" smtClean="0"/>
+              <a:rPr lang="en-US"/>
               <a:t>Fourth level</a:t>
             </a:r>
           </a:p>
           <a:p>
             <a:pPr lvl="4"/>
             <a:r>
-              <a:rPr lang="en-US" smtClean="0"/>
+              <a:rPr lang="en-US"/>
               <a:t>Fifth level</a:t>
             </a:r>
-            <a:endParaRPr lang="en-US"/>
           </a:p>
         </p:txBody>
       </p:sp>
@@ -1775,7 +1760,7 @@
             <a:fld id="{5648630F-9D60-4E60-BC74-448ABCDA988C}" type="datetimeFigureOut">
               <a:rPr lang="en-US" smtClean="0"/>
               <a:pPr/>
-              <a:t>1/19/2022</a:t>
+              <a:t>5/8/22</a:t>
             </a:fld>
             <a:endParaRPr lang="en-US"/>
           </a:p>
@@ -1865,10 +1850,9 @@
           <a:lstStyle/>
           <a:p>
             <a:r>
-              <a:rPr lang="en-US" smtClean="0"/>
+              <a:rPr lang="en-US"/>
               <a:t>Click to edit Master title style</a:t>
             </a:r>
-            <a:endParaRPr lang="en-US"/>
           </a:p>
         </p:txBody>
       </p:sp>
@@ -1890,7 +1874,7 @@
             <a:fld id="{5648630F-9D60-4E60-BC74-448ABCDA988C}" type="datetimeFigureOut">
               <a:rPr lang="en-US" smtClean="0"/>
               <a:pPr/>
-              <a:t>1/19/2022</a:t>
+              <a:t>5/8/22</a:t>
             </a:fld>
             <a:endParaRPr lang="en-US"/>
           </a:p>
@@ -1982,7 +1966,7 @@
             <a:fld id="{5648630F-9D60-4E60-BC74-448ABCDA988C}" type="datetimeFigureOut">
               <a:rPr lang="en-US" smtClean="0"/>
               <a:pPr/>
-              <a:t>1/19/2022</a:t>
+              <a:t>5/8/22</a:t>
             </a:fld>
             <a:endParaRPr lang="en-US"/>
           </a:p>
@@ -2081,10 +2065,9 @@
           </a:lstStyle>
           <a:p>
             <a:r>
-              <a:rPr lang="en-US" smtClean="0"/>
+              <a:rPr lang="en-US"/>
               <a:t>Click to edit Master title style</a:t>
             </a:r>
-            <a:endParaRPr lang="en-US"/>
           </a:p>
         </p:txBody>
       </p:sp>
@@ -2138,38 +2121,37 @@
           <a:p>
             <a:pPr lvl="0"/>
             <a:r>
-              <a:rPr lang="en-US" smtClean="0"/>
+              <a:rPr lang="en-US"/>
               <a:t>Click to edit Master text styles</a:t>
             </a:r>
           </a:p>
           <a:p>
             <a:pPr lvl="1"/>
             <a:r>
-              <a:rPr lang="en-US" smtClean="0"/>
+              <a:rPr lang="en-US"/>
               <a:t>Second level</a:t>
             </a:r>
           </a:p>
           <a:p>
             <a:pPr lvl="2"/>
             <a:r>
-              <a:rPr lang="en-US" smtClean="0"/>
+              <a:rPr lang="en-US"/>
               <a:t>Third level</a:t>
             </a:r>
           </a:p>
           <a:p>
             <a:pPr lvl="3"/>
             <a:r>
-              <a:rPr lang="en-US" smtClean="0"/>
+              <a:rPr lang="en-US"/>
               <a:t>Fourth level</a:t>
             </a:r>
           </a:p>
           <a:p>
             <a:pPr lvl="4"/>
             <a:r>
-              <a:rPr lang="en-US" smtClean="0"/>
+              <a:rPr lang="en-US"/>
               <a:t>Fifth level</a:t>
             </a:r>
-            <a:endParaRPr lang="en-US"/>
           </a:p>
         </p:txBody>
       </p:sp>
@@ -2232,7 +2214,7 @@
           <a:p>
             <a:pPr lvl="0"/>
             <a:r>
-              <a:rPr lang="en-US" smtClean="0"/>
+              <a:rPr lang="en-US"/>
               <a:t>Click to edit Master text styles</a:t>
             </a:r>
           </a:p>
@@ -2256,7 +2238,7 @@
             <a:fld id="{5648630F-9D60-4E60-BC74-448ABCDA988C}" type="datetimeFigureOut">
               <a:rPr lang="en-US" smtClean="0"/>
               <a:pPr/>
-              <a:t>1/19/2022</a:t>
+              <a:t>5/8/22</a:t>
             </a:fld>
             <a:endParaRPr lang="en-US"/>
           </a:p>
@@ -2355,10 +2337,9 @@
           </a:lstStyle>
           <a:p>
             <a:r>
-              <a:rPr lang="en-US" smtClean="0"/>
+              <a:rPr lang="en-US"/>
               <a:t>Click to edit Master title style</a:t>
             </a:r>
-            <a:endParaRPr lang="en-US"/>
           </a:p>
         </p:txBody>
       </p:sp>
@@ -2482,7 +2463,7 @@
           <a:p>
             <a:pPr lvl="0"/>
             <a:r>
-              <a:rPr lang="en-US" smtClean="0"/>
+              <a:rPr lang="en-US"/>
               <a:t>Click to edit Master text styles</a:t>
             </a:r>
           </a:p>
@@ -2506,7 +2487,7 @@
             <a:fld id="{5648630F-9D60-4E60-BC74-448ABCDA988C}" type="datetimeFigureOut">
               <a:rPr lang="en-US" smtClean="0"/>
               <a:pPr/>
-              <a:t>1/19/2022</a:t>
+              <a:t>5/8/22</a:t>
             </a:fld>
             <a:endParaRPr lang="en-US"/>
           </a:p>
@@ -2611,10 +2592,9 @@
           <a:lstStyle/>
           <a:p>
             <a:r>
-              <a:rPr lang="en-US" smtClean="0"/>
+              <a:rPr lang="en-US"/>
               <a:t>Click to edit Master title style</a:t>
             </a:r>
-            <a:endParaRPr lang="en-US"/>
           </a:p>
         </p:txBody>
       </p:sp>
@@ -2645,38 +2625,37 @@
           <a:p>
             <a:pPr lvl="0"/>
             <a:r>
-              <a:rPr lang="en-US" smtClean="0"/>
+              <a:rPr lang="en-US"/>
               <a:t>Click to edit Master text styles</a:t>
             </a:r>
           </a:p>
           <a:p>
             <a:pPr lvl="1"/>
             <a:r>
-              <a:rPr lang="en-US" smtClean="0"/>
+              <a:rPr lang="en-US"/>
               <a:t>Second level</a:t>
             </a:r>
           </a:p>
           <a:p>
             <a:pPr lvl="2"/>
             <a:r>
-              <a:rPr lang="en-US" smtClean="0"/>
+              <a:rPr lang="en-US"/>
               <a:t>Third level</a:t>
             </a:r>
           </a:p>
           <a:p>
             <a:pPr lvl="3"/>
             <a:r>
-              <a:rPr lang="en-US" smtClean="0"/>
+              <a:rPr lang="en-US"/>
               <a:t>Fourth level</a:t>
             </a:r>
           </a:p>
           <a:p>
             <a:pPr lvl="4"/>
             <a:r>
-              <a:rPr lang="en-US" smtClean="0"/>
+              <a:rPr lang="en-US"/>
               <a:t>Fifth level</a:t>
             </a:r>
-            <a:endParaRPr lang="en-US"/>
           </a:p>
         </p:txBody>
       </p:sp>
@@ -2716,7 +2695,7 @@
             <a:fld id="{5648630F-9D60-4E60-BC74-448ABCDA988C}" type="datetimeFigureOut">
               <a:rPr lang="en-US" smtClean="0"/>
               <a:pPr/>
-              <a:t>1/19/2022</a:t>
+              <a:t>5/8/22</a:t>
             </a:fld>
             <a:endParaRPr lang="en-US"/>
           </a:p>
@@ -3110,11 +3089,11 @@
           <a:lstStyle/>
           <a:p>
             <a:r>
-              <a:rPr lang="en-US" dirty="0" smtClean="0"/>
+              <a:rPr lang="en-US" dirty="0"/>
               <a:t>Adjustment Disorder:</a:t>
             </a:r>
             <a:br>
-              <a:rPr lang="en-US" dirty="0" smtClean="0"/>
+              <a:rPr lang="en-US" dirty="0"/>
             </a:br>
             <a:r>
               <a:rPr lang="en-US" dirty="0"/>
@@ -3128,7 +3107,6 @@
               <a:rPr lang="en-US" dirty="0"/>
               <a:t>, such as stress, feeling sad or hopeless, and physical symptoms that can occur after you go through a stressful life event. The symptoms occur because you are having a hard time coping. Your reaction is stronger than expected for the type of event that occurred.</a:t>
             </a:r>
-            <a:endParaRPr lang="en-US" dirty="0"/>
           </a:p>
         </p:txBody>
       </p:sp>
@@ -3641,26 +3619,18 @@
           </a:bodyPr>
           <a:lstStyle/>
           <a:p>
-            <a:r>
-              <a:rPr lang="en-US" dirty="0" smtClean="0"/>
-              <a:t/>
-            </a:r>
             <a:br>
-              <a:rPr lang="en-US" dirty="0" smtClean="0"/>
+              <a:rPr lang="en-US" dirty="0"/>
             </a:br>
-            <a:r>
-              <a:rPr lang="en-US" dirty="0" smtClean="0"/>
-              <a:t/>
-            </a:r>
             <a:br>
-              <a:rPr lang="en-US" dirty="0" smtClean="0"/>
+              <a:rPr lang="en-US" dirty="0"/>
             </a:br>
             <a:r>
-              <a:rPr lang="en-US" dirty="0" smtClean="0"/>
+              <a:rPr lang="en-US" dirty="0"/>
               <a:t>Adjustment disorder with depressed mood</a:t>
             </a:r>
             <a:br>
-              <a:rPr lang="en-US" dirty="0" smtClean="0"/>
+              <a:rPr lang="en-US" dirty="0"/>
             </a:br>
             <a:endParaRPr lang="en-US" dirty="0"/>
           </a:p>
@@ -3776,22 +3746,15 @@
           <a:p>
             <a:pPr lvl="0"/>
             <a:r>
-              <a:rPr lang="en-US" dirty="0" smtClean="0">
+              <a:rPr lang="en-US" dirty="0">
                 <a:latin typeface="Calibri" pitchFamily="34" charset="0"/>
                 <a:ea typeface="Calibri" pitchFamily="34" charset="0"/>
                 <a:cs typeface="Times New Roman" pitchFamily="18" charset="0"/>
               </a:rPr>
               <a:t> Adjustment disorder with anxiety</a:t>
             </a:r>
-            <a:r>
-              <a:rPr lang="en-US" sz="5400" dirty="0" smtClean="0">
-                <a:latin typeface="Arial" pitchFamily="34" charset="0"/>
-                <a:cs typeface="Arial" pitchFamily="34" charset="0"/>
-              </a:rPr>
-              <a:t/>
-            </a:r>
             <a:br>
-              <a:rPr lang="en-US" sz="5400" dirty="0" smtClean="0">
+              <a:rPr lang="en-US" sz="5400" dirty="0">
                 <a:latin typeface="Arial" pitchFamily="34" charset="0"/>
                 <a:cs typeface="Arial" pitchFamily="34" charset="0"/>
               </a:rPr>
@@ -3850,7 +3813,7 @@
               <a:buNone/>
               <a:tabLst/>
             </a:pPr>
-            <a:endParaRPr kumimoji="0" lang="en-US" sz="1800" b="0" i="0" u="none" strike="noStrike" cap="none" normalizeH="0" baseline="0" dirty="0" smtClean="0">
+            <a:endParaRPr kumimoji="0" lang="en-US" sz="1800" b="0" i="0" u="none" strike="noStrike" cap="none" normalizeH="0" baseline="0" dirty="0">
               <a:ln>
                 <a:noFill/>
               </a:ln>
@@ -3992,11 +3955,11 @@
           <a:lstStyle/>
           <a:p>
             <a:r>
-              <a:rPr lang="en-US" dirty="0" smtClean="0"/>
+              <a:rPr lang="en-US" dirty="0"/>
               <a:t>Adjustment disorder with mixed anxiety and depressed mood</a:t>
             </a:r>
             <a:br>
-              <a:rPr lang="en-US" dirty="0" smtClean="0"/>
+              <a:rPr lang="en-US" dirty="0"/>
             </a:br>
             <a:endParaRPr lang="en-US" dirty="0"/>
           </a:p>
@@ -4151,19 +4114,15 @@
           <a:lstStyle/>
           <a:p>
             <a:r>
-              <a:rPr lang="en-US" dirty="0" smtClean="0"/>
+              <a:rPr lang="en-US" dirty="0"/>
               <a:t>Adjustment disorder with disturbance of </a:t>
             </a:r>
             <a:r>
-              <a:rPr lang="en-US" dirty="0" err="1" smtClean="0"/>
+              <a:rPr lang="en-US" dirty="0" err="1"/>
               <a:t>behaviour</a:t>
             </a:r>
-            <a:r>
-              <a:rPr lang="en-US" dirty="0" smtClean="0"/>
-              <a:t/>
-            </a:r>
             <a:br>
-              <a:rPr lang="en-US" dirty="0" smtClean="0"/>
+              <a:rPr lang="en-US" dirty="0"/>
             </a:br>
             <a:endParaRPr lang="en-US" dirty="0"/>
           </a:p>
@@ -4280,10 +4239,9 @@
           <a:lstStyle/>
           <a:p>
             <a:r>
-              <a:rPr lang="en-US" dirty="0" smtClean="0"/>
+              <a:rPr lang="en-US" dirty="0"/>
               <a:t>Adjustment disorder with disturbance of conduct</a:t>
             </a:r>
-            <a:endParaRPr lang="en-US" dirty="0"/>
           </a:p>
         </p:txBody>
       </p:sp>
@@ -4436,19 +4394,15 @@
           <a:lstStyle/>
           <a:p>
             <a:r>
-              <a:rPr lang="en-US" dirty="0" smtClean="0"/>
+              <a:rPr lang="en-US" dirty="0"/>
               <a:t>Adjustment disorder with mixed disturbance of emotions and </a:t>
             </a:r>
             <a:r>
-              <a:rPr lang="en-US" dirty="0" err="1" smtClean="0"/>
+              <a:rPr lang="en-US" dirty="0" err="1"/>
               <a:t>behaviour</a:t>
             </a:r>
-            <a:r>
-              <a:rPr lang="en-US" dirty="0" smtClean="0"/>
-              <a:t/>
-            </a:r>
             <a:br>
-              <a:rPr lang="en-US" dirty="0" smtClean="0"/>
+              <a:rPr lang="en-US" dirty="0"/>
             </a:br>
             <a:endParaRPr lang="en-US" dirty="0"/>
           </a:p>
@@ -4563,10 +4517,9 @@
           <a:lstStyle/>
           <a:p>
             <a:r>
-              <a:rPr lang="en-US" dirty="0" smtClean="0"/>
+              <a:rPr lang="en-US" dirty="0"/>
               <a:t>Adjustment disorder unspecified</a:t>
             </a:r>
-            <a:endParaRPr lang="en-US" dirty="0"/>
           </a:p>
         </p:txBody>
       </p:sp>
@@ -4679,10 +4632,9 @@
           <a:lstStyle/>
           <a:p>
             <a:r>
-              <a:rPr lang="en-US" dirty="0" smtClean="0"/>
+              <a:rPr lang="en-US" dirty="0"/>
               <a:t>COPING MECHANISMS</a:t>
             </a:r>
-            <a:endParaRPr lang="en-US" dirty="0"/>
           </a:p>
         </p:txBody>
       </p:sp>
